--- a/docs/Syllabus.pptx
+++ b/docs/Syllabus.pptx
@@ -420,7 +420,7 @@
           <a:p>
             <a:fld id="{B1A24CD3-204F-4468-8EE4-28A6668D006A}" type="datetimeFigureOut">
               <a:rPr lang="en-US" smtClean="0"/>
-              <a:t>10/6/13</a:t>
+              <a:t>2/8/14</a:t>
             </a:fld>
             <a:endParaRPr lang="en-US"/>
           </a:p>
@@ -706,7 +706,7 @@
           <a:p>
             <a:fld id="{B1A24CD3-204F-4468-8EE4-28A6668D006A}" type="datetimeFigureOut">
               <a:rPr lang="en-US" smtClean="0"/>
-              <a:t>10/6/13</a:t>
+              <a:t>2/8/14</a:t>
             </a:fld>
             <a:endParaRPr lang="en-US"/>
           </a:p>
@@ -1128,7 +1128,7 @@
           <a:p>
             <a:fld id="{B1A24CD3-204F-4468-8EE4-28A6668D006A}" type="datetimeFigureOut">
               <a:rPr lang="en-US" smtClean="0"/>
-              <a:t>10/6/13</a:t>
+              <a:t>2/8/14</a:t>
             </a:fld>
             <a:endParaRPr lang="en-US"/>
           </a:p>
@@ -1545,7 +1545,7 @@
           <a:p>
             <a:fld id="{B1A24CD3-204F-4468-8EE4-28A6668D006A}" type="datetimeFigureOut">
               <a:rPr lang="en-US" smtClean="0"/>
-              <a:t>10/6/13</a:t>
+              <a:t>2/8/14</a:t>
             </a:fld>
             <a:endParaRPr lang="en-US"/>
           </a:p>
@@ -1678,7 +1678,7 @@
           <a:p>
             <a:fld id="{B1A24CD3-204F-4468-8EE4-28A6668D006A}" type="datetimeFigureOut">
               <a:rPr lang="en-US" smtClean="0"/>
-              <a:t>10/6/13</a:t>
+              <a:t>2/8/14</a:t>
             </a:fld>
             <a:endParaRPr lang="en-US"/>
           </a:p>
@@ -2000,7 +2000,7 @@
           <a:p>
             <a:fld id="{B1A24CD3-204F-4468-8EE4-28A6668D006A}" type="datetimeFigureOut">
               <a:rPr lang="en-US" smtClean="0"/>
-              <a:t>10/6/13</a:t>
+              <a:t>2/8/14</a:t>
             </a:fld>
             <a:endParaRPr lang="en-US"/>
           </a:p>
@@ -2244,7 +2244,7 @@
           <a:p>
             <a:fld id="{B1A24CD3-204F-4468-8EE4-28A6668D006A}" type="datetimeFigureOut">
               <a:rPr lang="en-US" smtClean="0"/>
-              <a:t>10/6/13</a:t>
+              <a:t>2/8/14</a:t>
             </a:fld>
             <a:endParaRPr lang="en-US"/>
           </a:p>
@@ -2582,7 +2582,7 @@
           <a:p>
             <a:fld id="{B1A24CD3-204F-4468-8EE4-28A6668D006A}" type="datetimeFigureOut">
               <a:rPr lang="en-US" smtClean="0"/>
-              <a:t>10/6/13</a:t>
+              <a:t>2/8/14</a:t>
             </a:fld>
             <a:endParaRPr lang="en-US"/>
           </a:p>
@@ -2882,7 +2882,7 @@
           <a:p>
             <a:fld id="{B1A24CD3-204F-4468-8EE4-28A6668D006A}" type="datetimeFigureOut">
               <a:rPr lang="en-US" smtClean="0"/>
-              <a:t>10/6/13</a:t>
+              <a:t>2/8/14</a:t>
             </a:fld>
             <a:endParaRPr lang="en-US"/>
           </a:p>
@@ -3289,7 +3289,7 @@
           <a:p>
             <a:fld id="{B1A24CD3-204F-4468-8EE4-28A6668D006A}" type="datetimeFigureOut">
               <a:rPr lang="en-US" smtClean="0"/>
-              <a:t>10/6/13</a:t>
+              <a:t>2/8/14</a:t>
             </a:fld>
             <a:endParaRPr lang="en-US"/>
           </a:p>
@@ -3511,7 +3511,7 @@
           <a:p>
             <a:fld id="{B1A24CD3-204F-4468-8EE4-28A6668D006A}" type="datetimeFigureOut">
               <a:rPr lang="en-US" smtClean="0"/>
-              <a:t>10/6/13</a:t>
+              <a:t>2/8/14</a:t>
             </a:fld>
             <a:endParaRPr lang="en-US"/>
           </a:p>
@@ -3728,7 +3728,7 @@
           <a:p>
             <a:fld id="{B1A24CD3-204F-4468-8EE4-28A6668D006A}" type="datetimeFigureOut">
               <a:rPr lang="en-US" smtClean="0"/>
-              <a:t>10/6/13</a:t>
+              <a:t>2/8/14</a:t>
             </a:fld>
             <a:endParaRPr lang="en-US"/>
           </a:p>
@@ -4033,7 +4033,7 @@
           <a:p>
             <a:fld id="{B1A24CD3-204F-4468-8EE4-28A6668D006A}" type="datetimeFigureOut">
               <a:rPr lang="en-US" smtClean="0"/>
-              <a:t>10/6/13</a:t>
+              <a:t>2/8/14</a:t>
             </a:fld>
             <a:endParaRPr lang="en-US"/>
           </a:p>
@@ -4360,7 +4360,7 @@
           <a:p>
             <a:fld id="{B1A24CD3-204F-4468-8EE4-28A6668D006A}" type="datetimeFigureOut">
               <a:rPr lang="en-US" smtClean="0"/>
-              <a:t>10/6/13</a:t>
+              <a:t>2/8/14</a:t>
             </a:fld>
             <a:endParaRPr lang="en-US"/>
           </a:p>
@@ -4695,7 +4695,7 @@
           <a:p>
             <a:fld id="{B1A24CD3-204F-4468-8EE4-28A6668D006A}" type="datetimeFigureOut">
               <a:rPr lang="en-US" smtClean="0"/>
-              <a:t>10/6/13</a:t>
+              <a:t>2/8/14</a:t>
             </a:fld>
             <a:endParaRPr lang="en-US"/>
           </a:p>
@@ -5318,7 +5318,7 @@
           <a:p>
             <a:fld id="{B1A24CD3-204F-4468-8EE4-28A6668D006A}" type="datetimeFigureOut">
               <a:rPr lang="en-US" smtClean="0"/>
-              <a:t>10/6/13</a:t>
+              <a:t>2/8/14</a:t>
             </a:fld>
             <a:endParaRPr lang="en-US"/>
           </a:p>
@@ -5805,7 +5805,7 @@
           <a:p>
             <a:fld id="{B1A24CD3-204F-4468-8EE4-28A6668D006A}" type="datetimeFigureOut">
               <a:rPr lang="en-US" smtClean="0"/>
-              <a:t>10/6/13</a:t>
+              <a:t>2/8/14</a:t>
             </a:fld>
             <a:endParaRPr lang="en-US"/>
           </a:p>
@@ -6053,7 +6053,7 @@
           <a:p>
             <a:fld id="{B1A24CD3-204F-4468-8EE4-28A6668D006A}" type="datetimeFigureOut">
               <a:rPr lang="en-US" smtClean="0"/>
-              <a:t>10/6/13</a:t>
+              <a:t>2/8/14</a:t>
             </a:fld>
             <a:endParaRPr lang="en-US"/>
           </a:p>
@@ -6349,7 +6349,7 @@
           <a:p>
             <a:fld id="{B1A24CD3-204F-4468-8EE4-28A6668D006A}" type="datetimeFigureOut">
               <a:rPr lang="en-US" smtClean="0"/>
-              <a:t>10/6/13</a:t>
+              <a:t>2/8/14</a:t>
             </a:fld>
             <a:endParaRPr lang="en-US"/>
           </a:p>
@@ -6810,7 +6810,11 @@
           <a:p>
             <a:r>
               <a:rPr lang="en-US" dirty="0" smtClean="0"/>
-              <a:t>Fun in programming, 2013</a:t>
+              <a:t>Fun in programming, </a:t>
+            </a:r>
+            <a:r>
+              <a:rPr lang="en-US" dirty="0" smtClean="0"/>
+              <a:t>March 2014</a:t>
             </a:r>
             <a:endParaRPr lang="en-US" dirty="0"/>
           </a:p>

--- a/docs/Syllabus.pptx
+++ b/docs/Syllabus.pptx
@@ -420,7 +420,7 @@
           <a:p>
             <a:fld id="{B1A24CD3-204F-4468-8EE4-28A6668D006A}" type="datetimeFigureOut">
               <a:rPr lang="en-US" smtClean="0"/>
-              <a:t>2/8/14</a:t>
+              <a:t>8/1/14</a:t>
             </a:fld>
             <a:endParaRPr lang="en-US"/>
           </a:p>
@@ -706,7 +706,7 @@
           <a:p>
             <a:fld id="{B1A24CD3-204F-4468-8EE4-28A6668D006A}" type="datetimeFigureOut">
               <a:rPr lang="en-US" smtClean="0"/>
-              <a:t>2/8/14</a:t>
+              <a:t>8/1/14</a:t>
             </a:fld>
             <a:endParaRPr lang="en-US"/>
           </a:p>
@@ -1128,7 +1128,7 @@
           <a:p>
             <a:fld id="{B1A24CD3-204F-4468-8EE4-28A6668D006A}" type="datetimeFigureOut">
               <a:rPr lang="en-US" smtClean="0"/>
-              <a:t>2/8/14</a:t>
+              <a:t>8/1/14</a:t>
             </a:fld>
             <a:endParaRPr lang="en-US"/>
           </a:p>
@@ -1545,7 +1545,7 @@
           <a:p>
             <a:fld id="{B1A24CD3-204F-4468-8EE4-28A6668D006A}" type="datetimeFigureOut">
               <a:rPr lang="en-US" smtClean="0"/>
-              <a:t>2/8/14</a:t>
+              <a:t>8/1/14</a:t>
             </a:fld>
             <a:endParaRPr lang="en-US"/>
           </a:p>
@@ -1678,7 +1678,7 @@
           <a:p>
             <a:fld id="{B1A24CD3-204F-4468-8EE4-28A6668D006A}" type="datetimeFigureOut">
               <a:rPr lang="en-US" smtClean="0"/>
-              <a:t>2/8/14</a:t>
+              <a:t>8/1/14</a:t>
             </a:fld>
             <a:endParaRPr lang="en-US"/>
           </a:p>
@@ -2000,7 +2000,7 @@
           <a:p>
             <a:fld id="{B1A24CD3-204F-4468-8EE4-28A6668D006A}" type="datetimeFigureOut">
               <a:rPr lang="en-US" smtClean="0"/>
-              <a:t>2/8/14</a:t>
+              <a:t>8/1/14</a:t>
             </a:fld>
             <a:endParaRPr lang="en-US"/>
           </a:p>
@@ -2244,7 +2244,7 @@
           <a:p>
             <a:fld id="{B1A24CD3-204F-4468-8EE4-28A6668D006A}" type="datetimeFigureOut">
               <a:rPr lang="en-US" smtClean="0"/>
-              <a:t>2/8/14</a:t>
+              <a:t>8/1/14</a:t>
             </a:fld>
             <a:endParaRPr lang="en-US"/>
           </a:p>
@@ -2582,7 +2582,7 @@
           <a:p>
             <a:fld id="{B1A24CD3-204F-4468-8EE4-28A6668D006A}" type="datetimeFigureOut">
               <a:rPr lang="en-US" smtClean="0"/>
-              <a:t>2/8/14</a:t>
+              <a:t>8/1/14</a:t>
             </a:fld>
             <a:endParaRPr lang="en-US"/>
           </a:p>
@@ -2882,7 +2882,7 @@
           <a:p>
             <a:fld id="{B1A24CD3-204F-4468-8EE4-28A6668D006A}" type="datetimeFigureOut">
               <a:rPr lang="en-US" smtClean="0"/>
-              <a:t>2/8/14</a:t>
+              <a:t>8/1/14</a:t>
             </a:fld>
             <a:endParaRPr lang="en-US"/>
           </a:p>
@@ -3289,7 +3289,7 @@
           <a:p>
             <a:fld id="{B1A24CD3-204F-4468-8EE4-28A6668D006A}" type="datetimeFigureOut">
               <a:rPr lang="en-US" smtClean="0"/>
-              <a:t>2/8/14</a:t>
+              <a:t>8/1/14</a:t>
             </a:fld>
             <a:endParaRPr lang="en-US"/>
           </a:p>
@@ -3511,7 +3511,7 @@
           <a:p>
             <a:fld id="{B1A24CD3-204F-4468-8EE4-28A6668D006A}" type="datetimeFigureOut">
               <a:rPr lang="en-US" smtClean="0"/>
-              <a:t>2/8/14</a:t>
+              <a:t>8/1/14</a:t>
             </a:fld>
             <a:endParaRPr lang="en-US"/>
           </a:p>
@@ -3728,7 +3728,7 @@
           <a:p>
             <a:fld id="{B1A24CD3-204F-4468-8EE4-28A6668D006A}" type="datetimeFigureOut">
               <a:rPr lang="en-US" smtClean="0"/>
-              <a:t>2/8/14</a:t>
+              <a:t>8/1/14</a:t>
             </a:fld>
             <a:endParaRPr lang="en-US"/>
           </a:p>
@@ -4033,7 +4033,7 @@
           <a:p>
             <a:fld id="{B1A24CD3-204F-4468-8EE4-28A6668D006A}" type="datetimeFigureOut">
               <a:rPr lang="en-US" smtClean="0"/>
-              <a:t>2/8/14</a:t>
+              <a:t>8/1/14</a:t>
             </a:fld>
             <a:endParaRPr lang="en-US"/>
           </a:p>
@@ -4360,7 +4360,7 @@
           <a:p>
             <a:fld id="{B1A24CD3-204F-4468-8EE4-28A6668D006A}" type="datetimeFigureOut">
               <a:rPr lang="en-US" smtClean="0"/>
-              <a:t>2/8/14</a:t>
+              <a:t>8/1/14</a:t>
             </a:fld>
             <a:endParaRPr lang="en-US"/>
           </a:p>
@@ -4695,7 +4695,7 @@
           <a:p>
             <a:fld id="{B1A24CD3-204F-4468-8EE4-28A6668D006A}" type="datetimeFigureOut">
               <a:rPr lang="en-US" smtClean="0"/>
-              <a:t>2/8/14</a:t>
+              <a:t>8/1/14</a:t>
             </a:fld>
             <a:endParaRPr lang="en-US"/>
           </a:p>
@@ -5318,7 +5318,7 @@
           <a:p>
             <a:fld id="{B1A24CD3-204F-4468-8EE4-28A6668D006A}" type="datetimeFigureOut">
               <a:rPr lang="en-US" smtClean="0"/>
-              <a:t>2/8/14</a:t>
+              <a:t>8/1/14</a:t>
             </a:fld>
             <a:endParaRPr lang="en-US"/>
           </a:p>
@@ -5805,7 +5805,7 @@
           <a:p>
             <a:fld id="{B1A24CD3-204F-4468-8EE4-28A6668D006A}" type="datetimeFigureOut">
               <a:rPr lang="en-US" smtClean="0"/>
-              <a:t>2/8/14</a:t>
+              <a:t>8/1/14</a:t>
             </a:fld>
             <a:endParaRPr lang="en-US"/>
           </a:p>
@@ -6053,7 +6053,7 @@
           <a:p>
             <a:fld id="{B1A24CD3-204F-4468-8EE4-28A6668D006A}" type="datetimeFigureOut">
               <a:rPr lang="en-US" smtClean="0"/>
-              <a:t>2/8/14</a:t>
+              <a:t>8/1/14</a:t>
             </a:fld>
             <a:endParaRPr lang="en-US"/>
           </a:p>
@@ -6349,7 +6349,7 @@
           <a:p>
             <a:fld id="{B1A24CD3-204F-4468-8EE4-28A6668D006A}" type="datetimeFigureOut">
               <a:rPr lang="en-US" smtClean="0"/>
-              <a:t>2/8/14</a:t>
+              <a:t>8/1/14</a:t>
             </a:fld>
             <a:endParaRPr lang="en-US"/>
           </a:p>
@@ -6814,7 +6814,13 @@
             </a:r>
             <a:r>
               <a:rPr lang="en-US" dirty="0" smtClean="0"/>
-              <a:t>March 2014</a:t>
+              <a:t>August 2014</a:t>
+            </a:r>
+          </a:p>
+          <a:p>
+            <a:r>
+              <a:rPr lang="en-US" dirty="0" smtClean="0"/>
+              <a:t>9 am to 5 pm</a:t>
             </a:r>
             <a:endParaRPr lang="en-US" dirty="0"/>
           </a:p>
@@ -6883,14 +6889,14 @@
             <p:ph idx="1"/>
             <p:extLst>
               <p:ext uri="{D42A27DB-BD31-4B8C-83A1-F6EECF244321}">
-                <p14:modId xmlns:p14="http://schemas.microsoft.com/office/powerpoint/2010/main" val="870272282"/>
+                <p14:modId xmlns:p14="http://schemas.microsoft.com/office/powerpoint/2010/main" val="2797538613"/>
               </p:ext>
             </p:extLst>
           </p:nvPr>
         </p:nvGraphicFramePr>
         <p:xfrm>
           <a:off x="457200" y="2209800"/>
-          <a:ext cx="6508750" cy="3337560"/>
+          <a:ext cx="5082028" cy="2966720"/>
         </p:xfrm>
         <a:graphic>
           <a:graphicData uri="http://schemas.openxmlformats.org/drawingml/2006/table">
@@ -6899,20 +6905,9 @@
                 <a:tableStyleId>{10A1B5D5-9B99-4C35-A422-299274C87663}</a:tableStyleId>
               </a:tblPr>
               <a:tblGrid>
-                <a:gridCol w="1426722"/>
                 <a:gridCol w="5082028"/>
               </a:tblGrid>
               <a:tr h="370840">
-                <a:tc>
-                  <a:txBody>
-                    <a:bodyPr/>
-                    <a:lstStyle/>
-                    <a:p>
-                      <a:endParaRPr lang="en-US" dirty="0"/>
-                    </a:p>
-                  </a:txBody>
-                  <a:tcPr/>
-                </a:tc>
                 <a:tc>
                   <a:txBody>
                     <a:bodyPr/>
@@ -6936,29 +6931,96 @@
                     <a:p>
                       <a:r>
                         <a:rPr lang="en-US" dirty="0" smtClean="0"/>
-                        <a:t>Week</a:t>
+                        <a:t>Introduction</a:t>
                       </a:r>
                       <a:r>
                         <a:rPr lang="en-US" baseline="0" dirty="0" smtClean="0"/>
-                        <a:t> 1</a:t>
+                        <a:t> </a:t>
                       </a:r>
-                      <a:endParaRPr lang="en-US" dirty="0"/>
+                      <a:r>
+                        <a:rPr lang="en-US" baseline="0" dirty="0" smtClean="0"/>
+                        <a:t>to Website Design</a:t>
+                      </a:r>
+                      <a:endParaRPr lang="en-US" baseline="0" dirty="0" smtClean="0"/>
                     </a:p>
                   </a:txBody>
                   <a:tcPr/>
                 </a:tc>
+              </a:tr>
+              <a:tr h="370840">
                 <a:tc>
                   <a:txBody>
                     <a:bodyPr/>
                     <a:lstStyle/>
                     <a:p>
                       <a:r>
-                        <a:rPr lang="en-US" dirty="0" smtClean="0"/>
-                        <a:t>Introduction</a:t>
+                        <a:rPr lang="en-US" baseline="0" dirty="0" smtClean="0"/>
+                        <a:t>HTML Tags</a:t>
                       </a:r>
+                      <a:endParaRPr lang="en-US" baseline="0" dirty="0" smtClean="0"/>
+                    </a:p>
+                  </a:txBody>
+                  <a:tcPr/>
+                </a:tc>
+              </a:tr>
+              <a:tr h="370840">
+                <a:tc>
+                  <a:txBody>
+                    <a:bodyPr/>
+                    <a:lstStyle/>
+                    <a:p>
                       <a:r>
                         <a:rPr lang="en-US" baseline="0" dirty="0" smtClean="0"/>
-                        <a:t> to programming</a:t>
+                        <a:t>HTML Box model</a:t>
+                      </a:r>
+                      <a:endParaRPr lang="en-US" baseline="0" dirty="0" smtClean="0"/>
+                    </a:p>
+                  </a:txBody>
+                  <a:tcPr/>
+                </a:tc>
+              </a:tr>
+              <a:tr h="370840">
+                <a:tc>
+                  <a:txBody>
+                    <a:bodyPr/>
+                    <a:lstStyle/>
+                    <a:p>
+                      <a:r>
+                        <a:rPr lang="en-US" baseline="0" dirty="0" smtClean="0"/>
+                        <a:t>Lunch</a:t>
+                      </a:r>
+                      <a:endParaRPr lang="en-US" baseline="0" dirty="0" smtClean="0"/>
+                    </a:p>
+                  </a:txBody>
+                  <a:tcPr/>
+                </a:tc>
+              </a:tr>
+              <a:tr h="370840">
+                <a:tc>
+                  <a:txBody>
+                    <a:bodyPr/>
+                    <a:lstStyle/>
+                    <a:p>
+                      <a:pPr marL="0" marR="0" indent="0" algn="l" defTabSz="914400" rtl="0" eaLnBrk="1" fontAlgn="auto" latinLnBrk="0" hangingPunct="1">
+                        <a:lnSpc>
+                          <a:spcPct val="100000"/>
+                        </a:lnSpc>
+                        <a:spcBef>
+                          <a:spcPts val="0"/>
+                        </a:spcBef>
+                        <a:spcAft>
+                          <a:spcPts val="0"/>
+                        </a:spcAft>
+                        <a:buClrTx/>
+                        <a:buSzTx/>
+                        <a:buFontTx/>
+                        <a:buNone/>
+                        <a:tabLst/>
+                        <a:defRPr/>
+                      </a:pPr>
+                      <a:r>
+                        <a:rPr lang="en-US" baseline="0" dirty="0" smtClean="0"/>
+                        <a:t>Playing with colors - CSS</a:t>
                       </a:r>
                     </a:p>
                   </a:txBody>
@@ -6972,27 +7034,10 @@
                     <a:lstStyle/>
                     <a:p>
                       <a:r>
-                        <a:rPr lang="en-US" dirty="0" smtClean="0"/>
-                        <a:t>Week</a:t>
+                        <a:rPr lang="en-US" baseline="0" dirty="0" smtClean="0"/>
+                        <a:t>Dynamic Layouts</a:t>
                       </a:r>
-                      <a:r>
-                        <a:rPr lang="en-US" baseline="0" dirty="0" smtClean="0"/>
-                        <a:t> 2</a:t>
-                      </a:r>
-                      <a:endParaRPr lang="en-US" dirty="0"/>
-                    </a:p>
-                  </a:txBody>
-                  <a:tcPr/>
-                </a:tc>
-                <a:tc>
-                  <a:txBody>
-                    <a:bodyPr/>
-                    <a:lstStyle/>
-                    <a:p>
-                      <a:r>
-                        <a:rPr lang="en-US" baseline="0" dirty="0" smtClean="0"/>
-                        <a:t>Drawing Basics</a:t>
-                      </a:r>
+                      <a:endParaRPr lang="en-US" baseline="0" dirty="0" smtClean="0"/>
                     </a:p>
                   </a:txBody>
                   <a:tcPr/>
@@ -7005,172 +7050,10 @@
                     <a:lstStyle/>
                     <a:p>
                       <a:r>
-                        <a:rPr lang="en-US" dirty="0" smtClean="0"/>
-                        <a:t>Week 3</a:t>
+                        <a:rPr lang="en-US" baseline="0" dirty="0" smtClean="0"/>
+                        <a:t>JavaScript</a:t>
                       </a:r>
-                      <a:endParaRPr lang="en-US" dirty="0"/>
-                    </a:p>
-                  </a:txBody>
-                  <a:tcPr/>
-                </a:tc>
-                <a:tc>
-                  <a:txBody>
-                    <a:bodyPr/>
-                    <a:lstStyle/>
-                    <a:p>
-                      <a:r>
-                        <a:rPr lang="en-US" baseline="0" dirty="0" smtClean="0"/>
-                        <a:t>Syntax, statements, constants and variables</a:t>
-                      </a:r>
-                    </a:p>
-                  </a:txBody>
-                  <a:tcPr/>
-                </a:tc>
-              </a:tr>
-              <a:tr h="370840">
-                <a:tc>
-                  <a:txBody>
-                    <a:bodyPr/>
-                    <a:lstStyle/>
-                    <a:p>
-                      <a:r>
-                        <a:rPr lang="en-US" dirty="0" smtClean="0"/>
-                        <a:t>Week 4</a:t>
-                      </a:r>
-                      <a:endParaRPr lang="en-US" dirty="0"/>
-                    </a:p>
-                  </a:txBody>
-                  <a:tcPr/>
-                </a:tc>
-                <a:tc>
-                  <a:txBody>
-                    <a:bodyPr/>
-                    <a:lstStyle/>
-                    <a:p>
-                      <a:r>
-                        <a:rPr lang="en-US" baseline="0" dirty="0" smtClean="0"/>
-                        <a:t>Animation Basics</a:t>
-                      </a:r>
-                    </a:p>
-                  </a:txBody>
-                  <a:tcPr/>
-                </a:tc>
-              </a:tr>
-              <a:tr h="370840">
-                <a:tc>
-                  <a:txBody>
-                    <a:bodyPr/>
-                    <a:lstStyle/>
-                    <a:p>
-                      <a:r>
-                        <a:rPr lang="en-US" dirty="0" smtClean="0"/>
-                        <a:t>Week</a:t>
-                      </a:r>
-                      <a:r>
-                        <a:rPr lang="en-US" baseline="0" dirty="0" smtClean="0"/>
-                        <a:t> 5</a:t>
-                      </a:r>
-                      <a:endParaRPr lang="en-US" dirty="0"/>
-                    </a:p>
-                  </a:txBody>
-                  <a:tcPr/>
-                </a:tc>
-                <a:tc>
-                  <a:txBody>
-                    <a:bodyPr/>
-                    <a:lstStyle/>
-                    <a:p>
-                      <a:r>
-                        <a:rPr lang="en-US" baseline="0" dirty="0" smtClean="0"/>
-                        <a:t>Texts and Functions</a:t>
-                      </a:r>
-                    </a:p>
-                  </a:txBody>
-                  <a:tcPr/>
-                </a:tc>
-              </a:tr>
-              <a:tr h="370840">
-                <a:tc>
-                  <a:txBody>
-                    <a:bodyPr/>
-                    <a:lstStyle/>
-                    <a:p>
-                      <a:r>
-                        <a:rPr lang="en-US" dirty="0" smtClean="0"/>
-                        <a:t>Week 6</a:t>
-                      </a:r>
-                      <a:endParaRPr lang="en-US" dirty="0"/>
-                    </a:p>
-                  </a:txBody>
-                  <a:tcPr/>
-                </a:tc>
-                <a:tc>
-                  <a:txBody>
-                    <a:bodyPr/>
-                    <a:lstStyle/>
-                    <a:p>
-                      <a:r>
-                        <a:rPr lang="en-US" baseline="0" dirty="0" smtClean="0"/>
-                        <a:t>Logic Statements</a:t>
-                      </a:r>
-                    </a:p>
-                  </a:txBody>
-                  <a:tcPr/>
-                </a:tc>
-              </a:tr>
-              <a:tr h="370840">
-                <a:tc>
-                  <a:txBody>
-                    <a:bodyPr/>
-                    <a:lstStyle/>
-                    <a:p>
-                      <a:r>
-                        <a:rPr lang="en-US" dirty="0" smtClean="0"/>
-                        <a:t>Week 7</a:t>
-                      </a:r>
-                      <a:endParaRPr lang="en-US" dirty="0"/>
-                    </a:p>
-                  </a:txBody>
-                  <a:tcPr/>
-                </a:tc>
-                <a:tc>
-                  <a:txBody>
-                    <a:bodyPr/>
-                    <a:lstStyle/>
-                    <a:p>
-                      <a:r>
-                        <a:rPr lang="en-US" baseline="0" dirty="0" smtClean="0"/>
-                        <a:t>Looping and Arrays</a:t>
-                      </a:r>
-                    </a:p>
-                  </a:txBody>
-                  <a:tcPr/>
-                </a:tc>
-              </a:tr>
-              <a:tr h="370840">
-                <a:tc>
-                  <a:txBody>
-                    <a:bodyPr/>
-                    <a:lstStyle/>
-                    <a:p>
-                      <a:r>
-                        <a:rPr lang="en-US" dirty="0" smtClean="0"/>
-                        <a:t>Week 8</a:t>
-                      </a:r>
-                      <a:endParaRPr lang="en-US" dirty="0"/>
-                    </a:p>
-                  </a:txBody>
-                  <a:tcPr/>
-                </a:tc>
-                <a:tc>
-                  <a:txBody>
-                    <a:bodyPr/>
-                    <a:lstStyle/>
-                    <a:p>
-                      <a:r>
-                        <a:rPr lang="en-US" baseline="0" dirty="0" smtClean="0"/>
-                        <a:t>Final Exam and cupcakes!</a:t>
-                      </a:r>
+                      <a:endParaRPr lang="en-US" baseline="0" dirty="0" smtClean="0"/>
                     </a:p>
                   </a:txBody>
                   <a:tcPr/>
